--- a/Self-Learning/Healthcare_Data_Analysis_Presentation.pptx
+++ b/Self-Learning/Healthcare_Data_Analysis_Presentation.pptx
@@ -4209,7 +4209,9 @@
           </a:xfrm>
         </p:spPr>
         <p:txBody>
-          <a:bodyPr/>
+          <a:bodyPr>
+            <a:normAutofit fontScale="40000" lnSpcReduction="20000"/>
+          </a:bodyPr>
           <a:lstStyle/>
           <a:p>
             <a:pPr marL="0" indent="0" algn="ctr" rtl="0" eaLnBrk="1" latinLnBrk="0" hangingPunct="1">
@@ -4219,7 +4221,7 @@
               <a:buNone/>
             </a:pPr>
             <a:r>
-              <a:rPr lang="en-US" sz="4400" b="1">
+              <a:rPr lang="en-US" sz="4400" b="1" dirty="0">
                 <a:solidFill>
                   <a:srgbClr val="003366"/>
                 </a:solidFill>
@@ -4229,7 +4231,7 @@
               <a:t>Author:</a:t>
             </a:r>
             <a:r>
-              <a:rPr lang="en-US" sz="4400">
+              <a:rPr lang="en-US" sz="4400" dirty="0">
                 <a:solidFill>
                   <a:srgbClr val="003366"/>
                 </a:solidFill>
@@ -4239,7 +4241,7 @@
               <a:t> </a:t>
             </a:r>
             <a:r>
-              <a:rPr lang="en-US" sz="4400" b="1">
+              <a:rPr lang="en-US" sz="4400" b="1" dirty="0">
                 <a:solidFill>
                   <a:srgbClr val="003366"/>
                 </a:solidFill>
@@ -4248,7 +4250,7 @@
               </a:rPr>
               <a:t>Mandar Panse</a:t>
             </a:r>
-            <a:endParaRPr lang="en-US" sz="4400">
+            <a:endParaRPr lang="en-US" sz="4400" dirty="0">
               <a:solidFill>
                 <a:srgbClr val="003366"/>
               </a:solidFill>
@@ -4264,7 +4266,7 @@
               <a:buNone/>
             </a:pPr>
             <a:r>
-              <a:rPr lang="en-US" sz="4400" b="1">
+              <a:rPr lang="en-US" sz="4400" b="1" dirty="0">
                 <a:solidFill>
                   <a:srgbClr val="003366"/>
                 </a:solidFill>
@@ -4274,7 +4276,7 @@
               <a:t>Date:</a:t>
             </a:r>
             <a:r>
-              <a:rPr lang="en-US" sz="4400">
+              <a:rPr lang="en-US" sz="4400" dirty="0">
                 <a:solidFill>
                   <a:srgbClr val="003366"/>
                 </a:solidFill>
@@ -4283,6 +4285,84 @@
               </a:rPr>
               <a:t> March 17, 2025</a:t>
             </a:r>
+          </a:p>
+          <a:p>
+            <a:pPr marL="0" indent="0" algn="ctr" rtl="0" eaLnBrk="1" latinLnBrk="0" hangingPunct="1">
+              <a:spcBef>
+                <a:spcPts val="1056"/>
+              </a:spcBef>
+              <a:buNone/>
+            </a:pPr>
+            <a:endParaRPr lang="en-US" sz="4400" b="1" dirty="0">
+              <a:solidFill>
+                <a:srgbClr val="003366"/>
+              </a:solidFill>
+              <a:latin typeface="Arial" panose="020B0604020202020204" pitchFamily="34" charset="0"/>
+            </a:endParaRPr>
+          </a:p>
+          <a:p>
+            <a:pPr marL="0" indent="0" algn="ctr" rtl="0" eaLnBrk="1" latinLnBrk="0" hangingPunct="1">
+              <a:spcBef>
+                <a:spcPts val="1056"/>
+              </a:spcBef>
+              <a:buNone/>
+            </a:pPr>
+            <a:endParaRPr lang="en-US" sz="4400" b="1" dirty="0">
+              <a:solidFill>
+                <a:srgbClr val="003366"/>
+              </a:solidFill>
+              <a:latin typeface="Arial" panose="020B0604020202020204" pitchFamily="34" charset="0"/>
+            </a:endParaRPr>
+          </a:p>
+          <a:p>
+            <a:pPr marL="0" indent="0" algn="ctr" rtl="0" eaLnBrk="1" latinLnBrk="0" hangingPunct="1">
+              <a:spcBef>
+                <a:spcPts val="1056"/>
+              </a:spcBef>
+              <a:buNone/>
+            </a:pPr>
+            <a:r>
+              <a:rPr lang="en-US" sz="4400" b="1" dirty="0" err="1">
+                <a:solidFill>
+                  <a:srgbClr val="003366"/>
+                </a:solidFill>
+                <a:latin typeface="Arial" panose="020B0604020202020204" pitchFamily="34" charset="0"/>
+              </a:rPr>
+              <a:t>Github</a:t>
+            </a:r>
+            <a:r>
+              <a:rPr lang="en-US" sz="4400" b="1">
+                <a:solidFill>
+                  <a:srgbClr val="003366"/>
+                </a:solidFill>
+                <a:latin typeface="Arial" panose="020B0604020202020204" pitchFamily="34" charset="0"/>
+              </a:rPr>
+              <a:t> URL - </a:t>
+            </a:r>
+            <a:r>
+              <a:rPr lang="en-US" sz="4400" b="1">
+                <a:solidFill>
+                  <a:srgbClr val="003366"/>
+                </a:solidFill>
+                <a:latin typeface="Arial" panose="020B0604020202020204" pitchFamily="34" charset="0"/>
+                <a:hlinkClick r:id="rId2"/>
+              </a:rPr>
+              <a:t>https://github.com/mandarpanse/AI-Healthcare-MSAI/tree/main/Self-Learning</a:t>
+            </a:r>
+            <a:endParaRPr lang="en-US" sz="4400" b="1">
+              <a:solidFill>
+                <a:srgbClr val="003366"/>
+              </a:solidFill>
+              <a:latin typeface="Arial" panose="020B0604020202020204" pitchFamily="34" charset="0"/>
+            </a:endParaRPr>
+          </a:p>
+          <a:p>
+            <a:pPr marL="0" indent="0" algn="ctr" rtl="0" eaLnBrk="1" latinLnBrk="0" hangingPunct="1">
+              <a:spcBef>
+                <a:spcPts val="1056"/>
+              </a:spcBef>
+              <a:buNone/>
+            </a:pPr>
             <a:endParaRPr sz="4400" b="1" dirty="0">
               <a:solidFill>
                 <a:srgbClr val="003366"/>
